--- a/COPA Project Poster_bert_added - Group 6.pptx
+++ b/COPA Project Poster_bert_added - Group 6.pptx
@@ -5967,7 +5967,7 @@
         <p:spPr bwMode="auto">
           <a:xfrm>
             <a:off x="15011401" y="4487711"/>
-            <a:ext cx="8503550" cy="2062103"/>
+            <a:ext cx="8503550" cy="2400657"/>
           </a:xfrm>
           <a:prstGeom prst="rect">
             <a:avLst/>
@@ -6004,8 +6004,28 @@
                 <a:latin typeface="Calibri" panose="020F0502020204030204" pitchFamily="34" charset="0"/>
                 <a:cs typeface="Calibri" panose="020F0502020204030204" pitchFamily="34" charset="0"/>
               </a:rPr>
-              <a:t>Input of BERT can be a single sentence or a sentence pair in a sequence of words.</a:t>
-            </a:r>
+              <a:t>Input representation can be composed of </a:t>
+            </a:r>
+            <a:r>
+              <a:rPr lang="en-CA">
+                <a:latin typeface="Calibri" panose="020F0502020204030204" pitchFamily="34" charset="0"/>
+                <a:cs typeface="Calibri" panose="020F0502020204030204" pitchFamily="34" charset="0"/>
+              </a:rPr>
+              <a:t>three-part Embedding summation</a:t>
+            </a:r>
+            <a:r>
+              <a:rPr lang="en-CA" dirty="0">
+                <a:latin typeface="Calibri" panose="020F0502020204030204" pitchFamily="34" charset="0"/>
+                <a:cs typeface="Calibri" panose="020F0502020204030204" pitchFamily="34" charset="0"/>
+              </a:rPr>
+              <a:t>.</a:t>
+            </a:r>
+          </a:p>
+          <a:p>
+            <a:endParaRPr lang="en-CA" dirty="0">
+              <a:latin typeface="Calibri" panose="020F0502020204030204" pitchFamily="34" charset="0"/>
+              <a:cs typeface="Calibri" panose="020F0502020204030204" pitchFamily="34" charset="0"/>
+            </a:endParaRPr>
           </a:p>
         </p:txBody>
       </p:sp>

--- a/COPA Project Poster_bert_added - Group 6.pptx
+++ b/COPA Project Poster_bert_added - Group 6.pptx
@@ -2797,7 +2797,7 @@
         </p:nvSpPr>
         <p:spPr bwMode="auto">
           <a:xfrm>
-            <a:off x="24047107" y="11605041"/>
+            <a:off x="24047107" y="11054240"/>
             <a:ext cx="8226425" cy="914400"/>
           </a:xfrm>
           <a:prstGeom prst="rect">
@@ -4341,8 +4341,8 @@
         </p:nvSpPr>
         <p:spPr bwMode="auto">
           <a:xfrm>
-            <a:off x="23995063" y="12356602"/>
-            <a:ext cx="8411222" cy="3754874"/>
+            <a:off x="23995063" y="11827924"/>
+            <a:ext cx="8411222" cy="4770537"/>
           </a:xfrm>
           <a:prstGeom prst="rect">
             <a:avLst/>
@@ -4363,7 +4363,89 @@
           </a:bodyPr>
           <a:lstStyle/>
           <a:p>
-            <a:pPr lvl="0" defTabSz="4023067" fontAlgn="auto">
+            <a:pPr marL="342900" lvl="0" indent="-342900" defTabSz="4023067" fontAlgn="auto">
+              <a:spcBef>
+                <a:spcPts val="0"/>
+              </a:spcBef>
+              <a:spcAft>
+                <a:spcPts val="0"/>
+              </a:spcAft>
+              <a:buFont typeface="Arial" panose="020B0604020202020204" pitchFamily="34" charset="0"/>
+              <a:buChar char="•"/>
+            </a:pPr>
+            <a:r>
+              <a:rPr lang="en-US" dirty="0">
+                <a:solidFill>
+                  <a:prstClr val="black"/>
+                </a:solidFill>
+                <a:latin typeface="Calibri" panose="020F0502020204030204" pitchFamily="34" charset="0"/>
+                <a:cs typeface="Calibri" panose="020F0502020204030204" pitchFamily="34" charset="0"/>
+              </a:rPr>
+              <a:t>By applying model fine-tuning approach with </a:t>
+            </a:r>
+            <a:r>
+              <a:rPr lang="en-US" dirty="0" err="1">
+                <a:solidFill>
+                  <a:prstClr val="black"/>
+                </a:solidFill>
+                <a:latin typeface="Calibri" panose="020F0502020204030204" pitchFamily="34" charset="0"/>
+                <a:cs typeface="Calibri" panose="020F0502020204030204" pitchFamily="34" charset="0"/>
+              </a:rPr>
+              <a:t>MutiNLI</a:t>
+            </a:r>
+            <a:r>
+              <a:rPr lang="en-US" dirty="0">
+                <a:solidFill>
+                  <a:prstClr val="black"/>
+                </a:solidFill>
+                <a:latin typeface="Calibri" panose="020F0502020204030204" pitchFamily="34" charset="0"/>
+                <a:cs typeface="Calibri" panose="020F0502020204030204" pitchFamily="34" charset="0"/>
+              </a:rPr>
+              <a:t> data and implementing with </a:t>
+            </a:r>
+            <a:r>
+              <a:rPr lang="en-CA" dirty="0">
+                <a:latin typeface="Calibri" panose="020F0502020204030204" pitchFamily="34" charset="0"/>
+                <a:cs typeface="Calibri" panose="020F0502020204030204" pitchFamily="34" charset="0"/>
+              </a:rPr>
+              <a:t>Agile Development process, we successfully reach the new state-of-the-art of BERT model on COPA task. </a:t>
+            </a:r>
+          </a:p>
+          <a:p>
+            <a:pPr marL="342900" lvl="0" indent="-342900" defTabSz="4023067" fontAlgn="auto">
+              <a:spcBef>
+                <a:spcPts val="0"/>
+              </a:spcBef>
+              <a:spcAft>
+                <a:spcPts val="0"/>
+              </a:spcAft>
+              <a:buFont typeface="Arial" panose="020B0604020202020204" pitchFamily="34" charset="0"/>
+              <a:buChar char="•"/>
+            </a:pPr>
+            <a:r>
+              <a:rPr lang="en-CA" dirty="0">
+                <a:latin typeface="Calibri" panose="020F0502020204030204" pitchFamily="34" charset="0"/>
+                <a:cs typeface="Calibri" panose="020F0502020204030204" pitchFamily="34" charset="0"/>
+              </a:rPr>
+              <a:t>We hypothesize that precise common sense comprehension detectors should be designed following four</a:t>
+            </a:r>
+            <a:r>
+              <a:rPr lang="zh-CN" altLang="en-US" dirty="0">
+                <a:latin typeface="Calibri" panose="020F0502020204030204" pitchFamily="34" charset="0"/>
+                <a:cs typeface="Calibri" panose="020F0502020204030204" pitchFamily="34" charset="0"/>
+              </a:rPr>
+              <a:t> </a:t>
+            </a:r>
+            <a:r>
+              <a:rPr lang="en-CA" dirty="0">
+                <a:latin typeface="Calibri" panose="020F0502020204030204" pitchFamily="34" charset="0"/>
+                <a:cs typeface="Calibri" panose="020F0502020204030204" pitchFamily="34" charset="0"/>
+              </a:rPr>
+              <a:t>principles: </a:t>
+            </a:r>
+          </a:p>
+          <a:p>
+            <a:pPr lvl="1" defTabSz="4023067" fontAlgn="auto">
               <a:spcBef>
                 <a:spcPts val="0"/>
               </a:spcBef>
@@ -4372,17 +4454,54 @@
               </a:spcAft>
             </a:pPr>
             <a:r>
-              <a:rPr lang="en-US" dirty="0">
-                <a:solidFill>
-                  <a:prstClr val="black"/>
-                </a:solidFill>
-                <a:latin typeface="Calibri" pitchFamily="34" charset="0"/>
-              </a:rPr>
-              <a:t>Click here to insert your Conclusions text. Type it in or copy and paste from your Word document or other source.</a:t>
-            </a:r>
-          </a:p>
-          <a:p>
-            <a:pPr lvl="0" defTabSz="4023067" fontAlgn="auto">
+              <a:rPr lang="en-US" altLang="zh-CN" dirty="0">
+                <a:latin typeface="Calibri" panose="020F0502020204030204" pitchFamily="34" charset="0"/>
+                <a:cs typeface="Calibri" panose="020F0502020204030204" pitchFamily="34" charset="0"/>
+              </a:rPr>
+              <a:t>1.</a:t>
+            </a:r>
+            <a:r>
+              <a:rPr lang="zh-CN" altLang="en-US" dirty="0">
+                <a:latin typeface="Calibri" panose="020F0502020204030204" pitchFamily="34" charset="0"/>
+                <a:cs typeface="Calibri" panose="020F0502020204030204" pitchFamily="34" charset="0"/>
+              </a:rPr>
+              <a:t> </a:t>
+            </a:r>
+            <a:r>
+              <a:rPr lang="en-CA" altLang="zh-CN" dirty="0">
+                <a:latin typeface="Calibri" panose="020F0502020204030204" pitchFamily="34" charset="0"/>
+                <a:cs typeface="Calibri" panose="020F0502020204030204" pitchFamily="34" charset="0"/>
+              </a:rPr>
+              <a:t>A</a:t>
+            </a:r>
+            <a:r>
+              <a:rPr lang="en-CA" dirty="0">
+                <a:latin typeface="Calibri" panose="020F0502020204030204" pitchFamily="34" charset="0"/>
+                <a:cs typeface="Calibri" panose="020F0502020204030204" pitchFamily="34" charset="0"/>
+              </a:rPr>
+              <a:t>ppropriate word embedding</a:t>
+            </a:r>
+            <a:r>
+              <a:rPr lang="zh-CN" altLang="en-US" dirty="0">
+                <a:latin typeface="Calibri" panose="020F0502020204030204" pitchFamily="34" charset="0"/>
+                <a:cs typeface="Calibri" panose="020F0502020204030204" pitchFamily="34" charset="0"/>
+              </a:rPr>
+              <a:t> </a:t>
+            </a:r>
+            <a:r>
+              <a:rPr lang="en-CA" dirty="0">
+                <a:latin typeface="Calibri" panose="020F0502020204030204" pitchFamily="34" charset="0"/>
+                <a:cs typeface="Calibri" panose="020F0502020204030204" pitchFamily="34" charset="0"/>
+              </a:rPr>
+              <a:t>format;</a:t>
+            </a:r>
+            <a:endParaRPr lang="en-US" altLang="zh-CN" dirty="0">
+              <a:latin typeface="Calibri" panose="020F0502020204030204" pitchFamily="34" charset="0"/>
+              <a:cs typeface="Calibri" panose="020F0502020204030204" pitchFamily="34" charset="0"/>
+            </a:endParaRPr>
+          </a:p>
+          <a:p>
+            <a:pPr lvl="1" defTabSz="4023067" fontAlgn="auto">
               <a:spcBef>
                 <a:spcPts val="0"/>
               </a:spcBef>
@@ -4390,15 +4509,69 @@
                 <a:spcPts val="0"/>
               </a:spcAft>
             </a:pPr>
-            <a:endParaRPr lang="en-US" dirty="0">
-              <a:solidFill>
-                <a:prstClr val="black"/>
-              </a:solidFill>
-              <a:latin typeface="Calibri" pitchFamily="34" charset="0"/>
+            <a:r>
+              <a:rPr lang="en-US" altLang="zh-CN" dirty="0">
+                <a:latin typeface="Calibri" panose="020F0502020204030204" pitchFamily="34" charset="0"/>
+                <a:cs typeface="Calibri" panose="020F0502020204030204" pitchFamily="34" charset="0"/>
+              </a:rPr>
+              <a:t>2.</a:t>
+            </a:r>
+            <a:r>
+              <a:rPr lang="zh-CN" altLang="en-US" dirty="0">
+                <a:latin typeface="Calibri" panose="020F0502020204030204" pitchFamily="34" charset="0"/>
+                <a:cs typeface="Calibri" panose="020F0502020204030204" pitchFamily="34" charset="0"/>
+              </a:rPr>
+              <a:t> </a:t>
+            </a:r>
+            <a:r>
+              <a:rPr lang="en-US" altLang="zh-CN" dirty="0">
+                <a:latin typeface="Calibri" panose="020F0502020204030204" pitchFamily="34" charset="0"/>
+                <a:cs typeface="Calibri" panose="020F0502020204030204" pitchFamily="34" charset="0"/>
+              </a:rPr>
+              <a:t>Interpretative</a:t>
+            </a:r>
+            <a:r>
+              <a:rPr lang="zh-CN" altLang="en-US" dirty="0">
+                <a:latin typeface="Calibri" panose="020F0502020204030204" pitchFamily="34" charset="0"/>
+                <a:cs typeface="Calibri" panose="020F0502020204030204" pitchFamily="34" charset="0"/>
+              </a:rPr>
+              <a:t> </a:t>
+            </a:r>
+            <a:r>
+              <a:rPr lang="en-US" altLang="zh-CN" dirty="0">
+                <a:latin typeface="Calibri" panose="020F0502020204030204" pitchFamily="34" charset="0"/>
+                <a:cs typeface="Calibri" panose="020F0502020204030204" pitchFamily="34" charset="0"/>
+              </a:rPr>
+              <a:t>sentence</a:t>
+            </a:r>
+            <a:r>
+              <a:rPr lang="zh-CN" altLang="en-US" dirty="0">
+                <a:latin typeface="Calibri" panose="020F0502020204030204" pitchFamily="34" charset="0"/>
+                <a:cs typeface="Calibri" panose="020F0502020204030204" pitchFamily="34" charset="0"/>
+              </a:rPr>
+              <a:t> </a:t>
+            </a:r>
+            <a:r>
+              <a:rPr lang="en-US" altLang="zh-CN" dirty="0">
+                <a:latin typeface="Calibri" panose="020F0502020204030204" pitchFamily="34" charset="0"/>
+                <a:cs typeface="Calibri" panose="020F0502020204030204" pitchFamily="34" charset="0"/>
+              </a:rPr>
+              <a:t>transformer</a:t>
+            </a:r>
+            <a:r>
+              <a:rPr lang="en-CA" altLang="zh-CN" dirty="0">
+                <a:latin typeface="Calibri" panose="020F0502020204030204" pitchFamily="34" charset="0"/>
+                <a:cs typeface="Calibri" panose="020F0502020204030204" pitchFamily="34" charset="0"/>
+              </a:rPr>
+              <a:t>;</a:t>
+            </a:r>
+            <a:endParaRPr lang="en-US" altLang="zh-CN" dirty="0">
+              <a:latin typeface="Calibri" panose="020F0502020204030204" pitchFamily="34" charset="0"/>
+              <a:cs typeface="Calibri" panose="020F0502020204030204" pitchFamily="34" charset="0"/>
             </a:endParaRPr>
           </a:p>
           <a:p>
-            <a:pPr lvl="0" defTabSz="4023067" fontAlgn="auto">
+            <a:pPr lvl="1" defTabSz="4023067" fontAlgn="auto">
               <a:spcBef>
                 <a:spcPts val="0"/>
               </a:spcBef>
@@ -4407,23 +4580,127 @@
               </a:spcAft>
             </a:pPr>
             <a:r>
-              <a:rPr lang="en-US" dirty="0">
-                <a:solidFill>
-                  <a:prstClr val="black"/>
-                </a:solidFill>
-                <a:latin typeface="Calibri" pitchFamily="34" charset="0"/>
-              </a:rPr>
-              <a:t>To change the font style of this text box: Click on the border once to highlight the entire text box, then select a different font or font size that suits you. </a:t>
-            </a:r>
-            <a:r>
-              <a:rPr lang="en-US" dirty="0">
-                <a:latin typeface="Calibri" pitchFamily="34" charset="0"/>
-              </a:rPr>
-              <a:t>This text is Calibri 22pt and is easily read up to 4 feet away on a 24x36 poster.</a:t>
-            </a:r>
-          </a:p>
-          <a:p>
-            <a:pPr lvl="0" defTabSz="4023067" fontAlgn="auto">
+              <a:rPr lang="en-US" altLang="zh-CN" dirty="0">
+                <a:latin typeface="Calibri" panose="020F0502020204030204" pitchFamily="34" charset="0"/>
+                <a:cs typeface="Calibri" panose="020F0502020204030204" pitchFamily="34" charset="0"/>
+              </a:rPr>
+              <a:t>3.</a:t>
+            </a:r>
+            <a:r>
+              <a:rPr lang="zh-CN" altLang="en-US" dirty="0">
+                <a:latin typeface="Calibri" panose="020F0502020204030204" pitchFamily="34" charset="0"/>
+                <a:cs typeface="Calibri" panose="020F0502020204030204" pitchFamily="34" charset="0"/>
+              </a:rPr>
+              <a:t> </a:t>
+            </a:r>
+            <a:r>
+              <a:rPr lang="en-CA" altLang="zh-CN" dirty="0" err="1">
+                <a:latin typeface="Calibri" panose="020F0502020204030204" pitchFamily="34" charset="0"/>
+                <a:cs typeface="Calibri" panose="020F0502020204030204" pitchFamily="34" charset="0"/>
+              </a:rPr>
+              <a:t>I</a:t>
+            </a:r>
+            <a:r>
+              <a:rPr lang="en-CA" dirty="0" err="1">
+                <a:latin typeface="Calibri" panose="020F0502020204030204" pitchFamily="34" charset="0"/>
+                <a:cs typeface="Calibri" panose="020F0502020204030204" pitchFamily="34" charset="0"/>
+              </a:rPr>
+              <a:t>terable</a:t>
+            </a:r>
+            <a:r>
+              <a:rPr lang="zh-CN" altLang="en-US" dirty="0">
+                <a:latin typeface="Calibri" panose="020F0502020204030204" pitchFamily="34" charset="0"/>
+                <a:cs typeface="Calibri" panose="020F0502020204030204" pitchFamily="34" charset="0"/>
+              </a:rPr>
+              <a:t> </a:t>
+            </a:r>
+            <a:r>
+              <a:rPr lang="en-US" altLang="zh-CN" dirty="0">
+                <a:latin typeface="Calibri" panose="020F0502020204030204" pitchFamily="34" charset="0"/>
+                <a:cs typeface="Calibri" panose="020F0502020204030204" pitchFamily="34" charset="0"/>
+              </a:rPr>
+              <a:t>training</a:t>
+            </a:r>
+            <a:r>
+              <a:rPr lang="zh-CN" altLang="en-US" dirty="0">
+                <a:latin typeface="Calibri" panose="020F0502020204030204" pitchFamily="34" charset="0"/>
+                <a:cs typeface="Calibri" panose="020F0502020204030204" pitchFamily="34" charset="0"/>
+              </a:rPr>
+              <a:t> </a:t>
+            </a:r>
+            <a:r>
+              <a:rPr lang="en-US" altLang="zh-CN" dirty="0">
+                <a:latin typeface="Calibri" panose="020F0502020204030204" pitchFamily="34" charset="0"/>
+                <a:cs typeface="Calibri" panose="020F0502020204030204" pitchFamily="34" charset="0"/>
+              </a:rPr>
+              <a:t>classification</a:t>
+            </a:r>
+            <a:r>
+              <a:rPr lang="zh-CN" altLang="en-US" dirty="0">
+                <a:latin typeface="Calibri" panose="020F0502020204030204" pitchFamily="34" charset="0"/>
+                <a:cs typeface="Calibri" panose="020F0502020204030204" pitchFamily="34" charset="0"/>
+              </a:rPr>
+              <a:t> </a:t>
+            </a:r>
+            <a:r>
+              <a:rPr lang="en-US" altLang="zh-CN" dirty="0">
+                <a:latin typeface="Calibri" panose="020F0502020204030204" pitchFamily="34" charset="0"/>
+                <a:cs typeface="Calibri" panose="020F0502020204030204" pitchFamily="34" charset="0"/>
+              </a:rPr>
+              <a:t>layer</a:t>
+            </a:r>
+            <a:r>
+              <a:rPr lang="zh-CN" altLang="en-US" dirty="0">
+                <a:latin typeface="Calibri" panose="020F0502020204030204" pitchFamily="34" charset="0"/>
+                <a:cs typeface="Calibri" panose="020F0502020204030204" pitchFamily="34" charset="0"/>
+              </a:rPr>
+              <a:t> </a:t>
+            </a:r>
+            <a:r>
+              <a:rPr lang="en-US" altLang="zh-CN" dirty="0">
+                <a:latin typeface="Calibri" panose="020F0502020204030204" pitchFamily="34" charset="0"/>
+                <a:cs typeface="Calibri" panose="020F0502020204030204" pitchFamily="34" charset="0"/>
+              </a:rPr>
+              <a:t>with</a:t>
+            </a:r>
+            <a:r>
+              <a:rPr lang="zh-CN" altLang="en-US" dirty="0">
+                <a:latin typeface="Calibri" panose="020F0502020204030204" pitchFamily="34" charset="0"/>
+                <a:cs typeface="Calibri" panose="020F0502020204030204" pitchFamily="34" charset="0"/>
+              </a:rPr>
+              <a:t> </a:t>
+            </a:r>
+            <a:r>
+              <a:rPr lang="en-US" altLang="zh-CN" dirty="0" err="1">
+                <a:latin typeface="Calibri" panose="020F0502020204030204" pitchFamily="34" charset="0"/>
+                <a:cs typeface="Calibri" panose="020F0502020204030204" pitchFamily="34" charset="0"/>
+              </a:rPr>
+              <a:t>softmax</a:t>
+            </a:r>
+            <a:r>
+              <a:rPr lang="zh-CN" altLang="en-US" dirty="0">
+                <a:latin typeface="Calibri" panose="020F0502020204030204" pitchFamily="34" charset="0"/>
+                <a:cs typeface="Calibri" panose="020F0502020204030204" pitchFamily="34" charset="0"/>
+              </a:rPr>
+              <a:t> </a:t>
+            </a:r>
+            <a:r>
+              <a:rPr lang="en-US" altLang="zh-CN" dirty="0">
+                <a:latin typeface="Calibri" panose="020F0502020204030204" pitchFamily="34" charset="0"/>
+                <a:cs typeface="Calibri" panose="020F0502020204030204" pitchFamily="34" charset="0"/>
+              </a:rPr>
+              <a:t>output</a:t>
+            </a:r>
+            <a:r>
+              <a:rPr lang="en-CA" altLang="zh-CN" dirty="0">
+                <a:latin typeface="Calibri" panose="020F0502020204030204" pitchFamily="34" charset="0"/>
+                <a:cs typeface="Calibri" panose="020F0502020204030204" pitchFamily="34" charset="0"/>
+              </a:rPr>
+              <a:t>;</a:t>
+            </a:r>
+          </a:p>
+          <a:p>
+            <a:pPr lvl="1" defTabSz="4023067" fontAlgn="auto">
               <a:spcBef>
                 <a:spcPts val="0"/>
               </a:spcBef>
@@ -4431,31 +4708,165 @@
                 <a:spcPts val="0"/>
               </a:spcAft>
             </a:pPr>
-            <a:endParaRPr lang="en-US" dirty="0">
+            <a:r>
+              <a:rPr lang="en-US" altLang="zh-CN" dirty="0">
+                <a:latin typeface="Calibri" panose="020F0502020204030204" pitchFamily="34" charset="0"/>
+                <a:cs typeface="Calibri" panose="020F0502020204030204" pitchFamily="34" charset="0"/>
+              </a:rPr>
+              <a:t>4.</a:t>
+            </a:r>
+            <a:r>
+              <a:rPr lang="zh-CN" altLang="en-US" dirty="0">
+                <a:latin typeface="Calibri" panose="020F0502020204030204" pitchFamily="34" charset="0"/>
+                <a:cs typeface="Calibri" panose="020F0502020204030204" pitchFamily="34" charset="0"/>
+              </a:rPr>
+              <a:t> </a:t>
+            </a:r>
+            <a:r>
+              <a:rPr lang="en-US" altLang="zh-CN" dirty="0">
+                <a:latin typeface="Calibri" panose="020F0502020204030204" pitchFamily="34" charset="0"/>
+                <a:cs typeface="Calibri" panose="020F0502020204030204" pitchFamily="34" charset="0"/>
+              </a:rPr>
+              <a:t>Sufficient trainable COPA data for the fine-tuning process.</a:t>
+            </a:r>
+            <a:endParaRPr lang="en-US" altLang="zh-CN" dirty="0">
               <a:solidFill>
                 <a:prstClr val="black"/>
               </a:solidFill>
-              <a:latin typeface="Calibri" pitchFamily="34" charset="0"/>
+              <a:latin typeface="Calibri" panose="020F0502020204030204" pitchFamily="34" charset="0"/>
+              <a:cs typeface="Calibri" panose="020F0502020204030204" pitchFamily="34" charset="0"/>
             </a:endParaRPr>
           </a:p>
           <a:p>
-            <a:pPr lvl="0" defTabSz="4023067" fontAlgn="auto">
+            <a:pPr marL="342900" lvl="0" indent="-342900" defTabSz="4023067" fontAlgn="auto">
               <a:spcBef>
                 <a:spcPts val="0"/>
               </a:spcBef>
               <a:spcAft>
                 <a:spcPts val="0"/>
               </a:spcAft>
+              <a:buFont typeface="Arial" panose="020B0604020202020204" pitchFamily="34" charset="0"/>
+              <a:buChar char="•"/>
             </a:pPr>
             <a:r>
-              <a:rPr lang="en-US" dirty="0">
+              <a:rPr lang="en-US" altLang="zh-CN" dirty="0">
                 <a:solidFill>
                   <a:prstClr val="black"/>
                 </a:solidFill>
-                <a:latin typeface="Calibri" pitchFamily="34" charset="0"/>
-              </a:rPr>
-              <a:t>Zoom out to 100% to preview what this will look like on your printed poster.</a:t>
-            </a:r>
+                <a:latin typeface="Calibri" panose="020F0502020204030204" pitchFamily="34" charset="0"/>
+                <a:cs typeface="Calibri" panose="020F0502020204030204" pitchFamily="34" charset="0"/>
+              </a:rPr>
+              <a:t>In the future, we will further study what </a:t>
+            </a:r>
+            <a:r>
+              <a:rPr lang="en-CA" dirty="0">
+                <a:latin typeface="Calibri" panose="020F0502020204030204" pitchFamily="34" charset="0"/>
+                <a:cs typeface="Calibri" panose="020F0502020204030204" pitchFamily="34" charset="0"/>
+              </a:rPr>
+              <a:t>architecture makes a good common-sense comprehension detector, how to enhance</a:t>
+            </a:r>
+            <a:r>
+              <a:rPr lang="zh-CN" altLang="en-US" dirty="0">
+                <a:latin typeface="Calibri" panose="020F0502020204030204" pitchFamily="34" charset="0"/>
+                <a:cs typeface="Calibri" panose="020F0502020204030204" pitchFamily="34" charset="0"/>
+              </a:rPr>
+              <a:t> </a:t>
+            </a:r>
+            <a:r>
+              <a:rPr lang="en-US" altLang="zh-CN" dirty="0">
+                <a:latin typeface="Calibri" panose="020F0502020204030204" pitchFamily="34" charset="0"/>
+                <a:cs typeface="Calibri" panose="020F0502020204030204" pitchFamily="34" charset="0"/>
+              </a:rPr>
+              <a:t>data</a:t>
+            </a:r>
+            <a:r>
+              <a:rPr lang="zh-CN" altLang="en-US" dirty="0">
+                <a:latin typeface="Calibri" panose="020F0502020204030204" pitchFamily="34" charset="0"/>
+                <a:cs typeface="Calibri" panose="020F0502020204030204" pitchFamily="34" charset="0"/>
+              </a:rPr>
+              <a:t> </a:t>
+            </a:r>
+            <a:r>
+              <a:rPr lang="en-CA" altLang="zh-CN" dirty="0">
+                <a:latin typeface="Calibri" panose="020F0502020204030204" pitchFamily="34" charset="0"/>
+                <a:cs typeface="Calibri" panose="020F0502020204030204" pitchFamily="34" charset="0"/>
+              </a:rPr>
+              <a:t>i</a:t>
+            </a:r>
+            <a:r>
+              <a:rPr lang="en-CA" dirty="0">
+                <a:latin typeface="Calibri" panose="020F0502020204030204" pitchFamily="34" charset="0"/>
+                <a:cs typeface="Calibri" panose="020F0502020204030204" pitchFamily="34" charset="0"/>
+              </a:rPr>
+              <a:t>nterpreting</a:t>
+            </a:r>
+            <a:r>
+              <a:rPr lang="zh-CN" altLang="en-US" dirty="0">
+                <a:latin typeface="Calibri" panose="020F0502020204030204" pitchFamily="34" charset="0"/>
+                <a:cs typeface="Calibri" panose="020F0502020204030204" pitchFamily="34" charset="0"/>
+              </a:rPr>
+              <a:t> </a:t>
+            </a:r>
+            <a:r>
+              <a:rPr lang="en-US" altLang="zh-CN" dirty="0">
+                <a:latin typeface="Calibri" panose="020F0502020204030204" pitchFamily="34" charset="0"/>
+                <a:cs typeface="Calibri" panose="020F0502020204030204" pitchFamily="34" charset="0"/>
+              </a:rPr>
+              <a:t>ability</a:t>
+            </a:r>
+            <a:r>
+              <a:rPr lang="zh-CN" altLang="en-US" dirty="0">
+                <a:latin typeface="Calibri" panose="020F0502020204030204" pitchFamily="34" charset="0"/>
+                <a:cs typeface="Calibri" panose="020F0502020204030204" pitchFamily="34" charset="0"/>
+              </a:rPr>
+              <a:t> </a:t>
+            </a:r>
+            <a:r>
+              <a:rPr lang="en-US" altLang="zh-CN" dirty="0">
+                <a:latin typeface="Calibri" panose="020F0502020204030204" pitchFamily="34" charset="0"/>
+                <a:cs typeface="Calibri" panose="020F0502020204030204" pitchFamily="34" charset="0"/>
+              </a:rPr>
+              <a:t>with</a:t>
+            </a:r>
+            <a:r>
+              <a:rPr lang="zh-CN" altLang="en-US" dirty="0">
+                <a:latin typeface="Calibri" panose="020F0502020204030204" pitchFamily="34" charset="0"/>
+                <a:cs typeface="Calibri" panose="020F0502020204030204" pitchFamily="34" charset="0"/>
+              </a:rPr>
+              <a:t> </a:t>
+            </a:r>
+            <a:r>
+              <a:rPr lang="en-US" altLang="zh-CN" dirty="0">
+                <a:latin typeface="Calibri" panose="020F0502020204030204" pitchFamily="34" charset="0"/>
+                <a:cs typeface="Calibri" panose="020F0502020204030204" pitchFamily="34" charset="0"/>
+              </a:rPr>
+              <a:t>appropriate</a:t>
+            </a:r>
+            <a:r>
+              <a:rPr lang="zh-CN" altLang="en-US" dirty="0">
+                <a:latin typeface="Calibri" panose="020F0502020204030204" pitchFamily="34" charset="0"/>
+                <a:cs typeface="Calibri" panose="020F0502020204030204" pitchFamily="34" charset="0"/>
+              </a:rPr>
+              <a:t> </a:t>
+            </a:r>
+            <a:r>
+              <a:rPr lang="en-US" altLang="zh-CN" dirty="0">
+                <a:latin typeface="Calibri" panose="020F0502020204030204" pitchFamily="34" charset="0"/>
+                <a:cs typeface="Calibri" panose="020F0502020204030204" pitchFamily="34" charset="0"/>
+              </a:rPr>
+              <a:t>transformer and </a:t>
+            </a:r>
+            <a:r>
+              <a:rPr lang="en-CA" dirty="0">
+                <a:latin typeface="Calibri" panose="020F0502020204030204" pitchFamily="34" charset="0"/>
+                <a:cs typeface="Calibri" panose="020F0502020204030204" pitchFamily="34" charset="0"/>
+              </a:rPr>
+              <a:t>efficiency improvement of our BERT module.</a:t>
+            </a:r>
+            <a:endParaRPr lang="en-US" altLang="zh-CN" dirty="0">
+              <a:latin typeface="Calibri" panose="020F0502020204030204" pitchFamily="34" charset="0"/>
+              <a:cs typeface="Calibri" panose="020F0502020204030204" pitchFamily="34" charset="0"/>
+            </a:endParaRPr>
           </a:p>
         </p:txBody>
       </p:sp>
@@ -5568,7 +5979,7 @@
         </p:blipFill>
         <p:spPr>
           <a:xfrm>
-            <a:off x="15199534" y="6181634"/>
+            <a:off x="15087600" y="6061194"/>
             <a:ext cx="8304007" cy="2643386"/>
           </a:xfrm>
           <a:prstGeom prst="rect">
@@ -5601,7 +6012,7 @@
         </p:blipFill>
         <p:spPr>
           <a:xfrm>
-            <a:off x="15105407" y="10209760"/>
+            <a:off x="15240000" y="10251440"/>
             <a:ext cx="8151607" cy="3750033"/>
           </a:xfrm>
           <a:prstGeom prst="rect">
@@ -5758,7 +6169,7 @@
         </p:nvSpPr>
         <p:spPr>
           <a:xfrm>
-            <a:off x="23995063" y="3657600"/>
+            <a:off x="23730017" y="3684657"/>
             <a:ext cx="8529573" cy="707886"/>
           </a:xfrm>
           <a:prstGeom prst="rect">
@@ -5967,7 +6378,7 @@
         <p:spPr bwMode="auto">
           <a:xfrm>
             <a:off x="15011401" y="4487711"/>
-            <a:ext cx="8503550" cy="2400657"/>
+            <a:ext cx="8503550" cy="2062103"/>
           </a:xfrm>
           <a:prstGeom prst="rect">
             <a:avLst/>
@@ -5984,6 +6395,10 @@
           </a:bodyPr>
           <a:lstStyle/>
           <a:p>
+            <a:pPr marL="342900" indent="-342900">
+              <a:buFont typeface="Arial" panose="020B0604020202020204" pitchFamily="34" charset="0"/>
+              <a:buChar char="•"/>
+            </a:pPr>
             <a:r>
               <a:rPr lang="en-CA" dirty="0">
                 <a:latin typeface="Calibri" panose="020F0502020204030204" pitchFamily="34" charset="0"/>
@@ -5993,32 +6408,16 @@
             </a:r>
           </a:p>
           <a:p>
-            <a:endParaRPr lang="en-CA" dirty="0">
-              <a:latin typeface="Calibri" panose="020F0502020204030204" pitchFamily="34" charset="0"/>
-              <a:cs typeface="Calibri" panose="020F0502020204030204" pitchFamily="34" charset="0"/>
-            </a:endParaRPr>
-          </a:p>
-          <a:p>
+            <a:pPr marL="342900" indent="-342900">
+              <a:buFont typeface="Arial" panose="020B0604020202020204" pitchFamily="34" charset="0"/>
+              <a:buChar char="•"/>
+            </a:pPr>
             <a:r>
               <a:rPr lang="en-CA" dirty="0">
                 <a:latin typeface="Calibri" panose="020F0502020204030204" pitchFamily="34" charset="0"/>
                 <a:cs typeface="Calibri" panose="020F0502020204030204" pitchFamily="34" charset="0"/>
               </a:rPr>
-              <a:t>Input representation can be composed of </a:t>
-            </a:r>
-            <a:r>
-              <a:rPr lang="en-CA">
-                <a:latin typeface="Calibri" panose="020F0502020204030204" pitchFamily="34" charset="0"/>
-                <a:cs typeface="Calibri" panose="020F0502020204030204" pitchFamily="34" charset="0"/>
-              </a:rPr>
-              <a:t>three-part Embedding summation</a:t>
-            </a:r>
-            <a:r>
-              <a:rPr lang="en-CA" dirty="0">
-                <a:latin typeface="Calibri" panose="020F0502020204030204" pitchFamily="34" charset="0"/>
-                <a:cs typeface="Calibri" panose="020F0502020204030204" pitchFamily="34" charset="0"/>
-              </a:rPr>
-              <a:t>.</a:t>
+              <a:t>Input representation can be composed of three-part Embedding summation.</a:t>
             </a:r>
           </a:p>
           <a:p>
@@ -6177,8 +6576,8 @@
         </p:blipFill>
         <p:spPr>
           <a:xfrm>
-            <a:off x="17679326" y="14143760"/>
-            <a:ext cx="5822283" cy="6951957"/>
+            <a:off x="17252671" y="14055217"/>
+            <a:ext cx="6141350" cy="7332931"/>
           </a:xfrm>
           <a:prstGeom prst="rect">
             <a:avLst/>
@@ -6203,7 +6602,7 @@
         </p:nvSpPr>
         <p:spPr>
           <a:xfrm>
-            <a:off x="15199535" y="14775917"/>
+            <a:off x="15544801" y="14775054"/>
             <a:ext cx="4729178" cy="2462213"/>
           </a:xfrm>
           <a:prstGeom prst="rect">
@@ -6222,14 +6621,32 @@
                 <a:latin typeface="Calibri" panose="020F0502020204030204" pitchFamily="34" charset="0"/>
                 <a:cs typeface="Calibri" panose="020F0502020204030204" pitchFamily="34" charset="0"/>
               </a:rPr>
-              <a:t>Bert uses transformer model which has the encoder-decoder architecture. Attention strategy </a:t>
+              <a:t>Bert uses transformer model which</a:t>
+            </a:r>
+          </a:p>
+          <a:p>
+            <a:r>
+              <a:rPr lang="en-US" dirty="0">
+                <a:latin typeface="Calibri" panose="020F0502020204030204" pitchFamily="34" charset="0"/>
+                <a:cs typeface="Calibri" panose="020F0502020204030204" pitchFamily="34" charset="0"/>
+              </a:rPr>
+              <a:t>has the encoder-decoder architecture. Attention strategy </a:t>
             </a:r>
             <a:r>
               <a:rPr lang="en-CA" dirty="0">
                 <a:latin typeface="Calibri" panose="020F0502020204030204" pitchFamily="34" charset="0"/>
                 <a:cs typeface="Calibri" panose="020F0502020204030204" pitchFamily="34" charset="0"/>
               </a:rPr>
-              <a:t>helps the current node not only focus on the current word, but also obtain the semantics of the context.</a:t>
+              <a:t>helps the current node not only focus on the current word, but also obtain the semantics </a:t>
+            </a:r>
+          </a:p>
+          <a:p>
+            <a:r>
+              <a:rPr lang="en-CA" dirty="0">
+                <a:latin typeface="Calibri" panose="020F0502020204030204" pitchFamily="34" charset="0"/>
+                <a:cs typeface="Calibri" panose="020F0502020204030204" pitchFamily="34" charset="0"/>
+              </a:rPr>
+              <a:t>of the context.</a:t>
             </a:r>
             <a:endParaRPr lang="en-US" dirty="0">
               <a:latin typeface="Calibri" panose="020F0502020204030204" pitchFamily="34" charset="0"/>
@@ -6255,8 +6672,8 @@
         </p:nvSpPr>
         <p:spPr>
           <a:xfrm>
-            <a:off x="15257128" y="9220200"/>
-            <a:ext cx="3446463" cy="1107996"/>
+            <a:off x="15301671" y="9358620"/>
+            <a:ext cx="8151607" cy="1446550"/>
           </a:xfrm>
           <a:prstGeom prst="rect">
             <a:avLst/>
@@ -6269,84 +6686,63 @@
           </a:bodyPr>
           <a:lstStyle/>
           <a:p>
+            <a:pPr marL="342900" indent="-342900">
+              <a:buFont typeface="Arial" panose="020B0604020202020204" pitchFamily="34" charset="0"/>
+              <a:buChar char="•"/>
+            </a:pPr>
             <a:r>
               <a:rPr lang="en-US" dirty="0">
                 <a:latin typeface="Calibri" panose="020F0502020204030204" pitchFamily="34" charset="0"/>
                 <a:cs typeface="Calibri" panose="020F0502020204030204" pitchFamily="34" charset="0"/>
               </a:rPr>
-              <a:t>Pre-training: </a:t>
-            </a:r>
-          </a:p>
-          <a:p>
+              <a:t>Pre-training: trained on unlabeled data (unsupervised learning)</a:t>
+            </a:r>
+            <a:r>
+              <a:rPr lang="en-CA" dirty="0">
+                <a:latin typeface="Calibri" panose="020F0502020204030204" pitchFamily="34" charset="0"/>
+                <a:cs typeface="Calibri" panose="020F0502020204030204" pitchFamily="34" charset="0"/>
+              </a:rPr>
+              <a:t>;</a:t>
+            </a:r>
+          </a:p>
+          <a:p>
+            <a:pPr marL="342900" indent="-342900">
+              <a:buFont typeface="Arial" panose="020B0604020202020204" pitchFamily="34" charset="0"/>
+              <a:buChar char="•"/>
+            </a:pPr>
             <a:r>
               <a:rPr lang="en-US" dirty="0">
                 <a:latin typeface="Calibri" panose="020F0502020204030204" pitchFamily="34" charset="0"/>
                 <a:cs typeface="Calibri" panose="020F0502020204030204" pitchFamily="34" charset="0"/>
               </a:rPr>
-              <a:t>trained on unlabeled data </a:t>
-            </a:r>
-          </a:p>
-          <a:p>
+              <a:t>Fine-Tuning</a:t>
+            </a:r>
+            <a:r>
+              <a:rPr lang="en-US">
+                <a:latin typeface="Calibri" panose="020F0502020204030204" pitchFamily="34" charset="0"/>
+                <a:cs typeface="Calibri" panose="020F0502020204030204" pitchFamily="34" charset="0"/>
+              </a:rPr>
+              <a:t>: using </a:t>
+            </a:r>
             <a:r>
               <a:rPr lang="en-US" dirty="0">
                 <a:latin typeface="Calibri" panose="020F0502020204030204" pitchFamily="34" charset="0"/>
                 <a:cs typeface="Calibri" panose="020F0502020204030204" pitchFamily="34" charset="0"/>
               </a:rPr>
-              <a:t>(unsupervised learning)</a:t>
-            </a:r>
-          </a:p>
-        </p:txBody>
-      </p:sp>
-      <p:sp>
-        <p:nvSpPr>
-          <p:cNvPr id="5" name="TextBox 4">
-            <a:extLst>
-              <a:ext uri="{FF2B5EF4-FFF2-40B4-BE49-F238E27FC236}">
-                <a16:creationId xmlns:a16="http://schemas.microsoft.com/office/drawing/2014/main" id="{4D2A0721-4A6E-F640-BE60-9A6C9827E7E0}"/>
-              </a:ext>
-            </a:extLst>
-          </p:cNvPr>
-          <p:cNvSpPr txBox="1"/>
-          <p:nvPr/>
-        </p:nvSpPr>
-        <p:spPr>
-          <a:xfrm>
-            <a:off x="19263175" y="9220200"/>
-            <a:ext cx="3657600" cy="1785104"/>
-          </a:xfrm>
-          <a:prstGeom prst="rect">
-            <a:avLst/>
-          </a:prstGeom>
-          <a:noFill/>
-        </p:spPr>
-        <p:txBody>
-          <a:bodyPr wrap="square" rtlCol="0">
-            <a:spAutoFit/>
-          </a:bodyPr>
-          <a:lstStyle/>
-          <a:p>
-            <a:r>
-              <a:rPr lang="en-US" dirty="0">
-                <a:latin typeface="Calibri" panose="020F0502020204030204" pitchFamily="34" charset="0"/>
-                <a:cs typeface="Calibri" panose="020F0502020204030204" pitchFamily="34" charset="0"/>
-              </a:rPr>
-              <a:t>Fine-Tuning:  </a:t>
-            </a:r>
-          </a:p>
-          <a:p>
-            <a:r>
-              <a:rPr lang="en-US" dirty="0">
-                <a:latin typeface="Calibri" panose="020F0502020204030204" pitchFamily="34" charset="0"/>
-                <a:cs typeface="Calibri" panose="020F0502020204030204" pitchFamily="34" charset="0"/>
-              </a:rPr>
-              <a:t>using labeled data from the downstream tasks</a:t>
-            </a:r>
-          </a:p>
-          <a:p>
-            <a:endParaRPr lang="en-US" dirty="0"/>
-          </a:p>
-          <a:p>
-            <a:endParaRPr lang="en-US" dirty="0"/>
+              <a:t>labeled data from the downstream tasks.</a:t>
+            </a:r>
+          </a:p>
+          <a:p>
+            <a:endParaRPr lang="en-CA" dirty="0">
+              <a:latin typeface="Calibri" panose="020F0502020204030204" pitchFamily="34" charset="0"/>
+              <a:cs typeface="Calibri" panose="020F0502020204030204" pitchFamily="34" charset="0"/>
+            </a:endParaRPr>
+          </a:p>
+          <a:p>
+            <a:endParaRPr lang="en-US" dirty="0">
+              <a:latin typeface="Calibri" panose="020F0502020204030204" pitchFamily="34" charset="0"/>
+              <a:cs typeface="Calibri" panose="020F0502020204030204" pitchFamily="34" charset="0"/>
+            </a:endParaRPr>
           </a:p>
         </p:txBody>
       </p:sp>
